--- a/Презент.pptx
+++ b/Презент.pptx
@@ -108,6 +108,11 @@
       </a:defRPr>
     </a:lvl9pPr>
   </p:defaultTextStyle>
+  <p:extLst>
+    <p:ext uri="{EFAFB233-063F-42B5-8137-9DF3F51BA10A}">
+      <p15:sldGuideLst xmlns:p15="http://schemas.microsoft.com/office/powerpoint/2012/main"/>
+    </p:ext>
+  </p:extLst>
 </p:presentation>
 </file>
 
@@ -3570,7 +3575,7 @@
         </p:nvSpPr>
         <p:spPr>
           <a:xfrm>
-            <a:off x="370115" y="136525"/>
+            <a:off x="199252" y="136525"/>
             <a:ext cx="10515600" cy="1325563"/>
           </a:xfrm>
         </p:spPr>
@@ -3666,7 +3671,55 @@
                   <a:schemeClr val="bg1"/>
                 </a:solidFill>
               </a:rPr>
-              <a:t> система жизней(при столкновении или подборе кактуса + или – 1 сердце)</a:t>
+              <a:t> система жизней(при </a:t>
+            </a:r>
+            <a:r>
+              <a:rPr lang="ru-RU" sz="3200" dirty="0" smtClean="0">
+                <a:solidFill>
+                  <a:schemeClr val="bg1"/>
+                </a:solidFill>
+              </a:rPr>
+              <a:t>столкновении с кактусом </a:t>
+            </a:r>
+            <a:r>
+              <a:rPr lang="ru-RU" sz="3200" dirty="0">
+                <a:solidFill>
+                  <a:schemeClr val="bg1"/>
+                </a:solidFill>
+              </a:rPr>
+              <a:t>– 1 сердце </a:t>
+            </a:r>
+            <a:r>
+              <a:rPr lang="ru-RU" sz="3200" dirty="0" smtClean="0">
+                <a:solidFill>
+                  <a:schemeClr val="bg1"/>
+                </a:solidFill>
+              </a:rPr>
+              <a:t>и </a:t>
+            </a:r>
+            <a:r>
+              <a:rPr lang="ru-RU" sz="3200" dirty="0" smtClean="0">
+                <a:solidFill>
+                  <a:schemeClr val="bg1"/>
+                </a:solidFill>
+              </a:rPr>
+              <a:t>подборе </a:t>
+            </a:r>
+            <a:r>
+              <a:rPr lang="ru-RU" sz="3200" dirty="0" smtClean="0">
+                <a:solidFill>
+                  <a:schemeClr val="bg1"/>
+                </a:solidFill>
+              </a:rPr>
+              <a:t>сердца +1 </a:t>
+            </a:r>
+            <a:r>
+              <a:rPr lang="ru-RU" sz="3200" dirty="0" smtClean="0">
+                <a:solidFill>
+                  <a:schemeClr val="bg1"/>
+                </a:solidFill>
+              </a:rPr>
+              <a:t>сердце)</a:t>
             </a:r>
             <a:endParaRPr lang="ru-RU" sz="3200" dirty="0">
               <a:solidFill>
@@ -3715,13 +3768,13 @@
   <p:clrMapOvr>
     <a:masterClrMapping/>
   </p:clrMapOvr>
-  <mc:AlternateContent xmlns:mc="http://schemas.openxmlformats.org/markup-compatibility/2006">
-    <mc:Choice xmlns:p14="http://schemas.microsoft.com/office/powerpoint/2010/main" Requires="p14">
+  <mc:AlternateContent xmlns:mc="http://schemas.openxmlformats.org/markup-compatibility/2006" xmlns:p14="http://schemas.microsoft.com/office/powerpoint/2010/main">
+    <mc:Choice Requires="p14">
       <p:transition spd="med" p14:dur="700">
         <p:fade/>
       </p:transition>
     </mc:Choice>
-    <mc:Fallback>
+    <mc:Fallback xmlns="">
       <p:transition spd="med">
         <p:fade/>
       </p:transition>
@@ -3802,7 +3855,7 @@
         </p:spPr>
         <p:txBody>
           <a:bodyPr>
-            <a:normAutofit/>
+            <a:normAutofit fontScale="90000"/>
           </a:bodyPr>
           <a:lstStyle/>
           <a:p>
@@ -3883,7 +3936,39 @@
                   <a:schemeClr val="bg1"/>
                 </a:solidFill>
               </a:rPr>
-              <a:t> траты и накопление сердец</a:t>
+              <a:t> траты и накопление </a:t>
+            </a:r>
+            <a:r>
+              <a:rPr lang="ru-RU" sz="4000" dirty="0" smtClean="0">
+                <a:solidFill>
+                  <a:schemeClr val="bg1"/>
+                </a:solidFill>
+              </a:rPr>
+              <a:t>сердец</a:t>
+            </a:r>
+            <a:r>
+              <a:rPr lang="en-US" sz="4000" dirty="0" smtClean="0">
+                <a:solidFill>
+                  <a:schemeClr val="bg1"/>
+                </a:solidFill>
+              </a:rPr>
+              <a:t>,</a:t>
+            </a:r>
+            <a:r>
+              <a:rPr lang="ru-RU" sz="4000" dirty="0">
+                <a:solidFill>
+                  <a:schemeClr val="bg1"/>
+                </a:solidFill>
+              </a:rPr>
+              <a:t> </a:t>
+            </a:r>
+            <a:r>
+              <a:rPr lang="ru-RU" sz="4000" dirty="0" smtClean="0">
+                <a:solidFill>
+                  <a:schemeClr val="bg1"/>
+                </a:solidFill>
+              </a:rPr>
+              <a:t>и счёт перепрыгнутых кактусов</a:t>
             </a:r>
             <a:endParaRPr lang="ru-RU" sz="4000" dirty="0">
               <a:solidFill>
@@ -3992,13 +4077,13 @@
   <p:clrMapOvr>
     <a:masterClrMapping/>
   </p:clrMapOvr>
-  <mc:AlternateContent xmlns:mc="http://schemas.openxmlformats.org/markup-compatibility/2006">
-    <mc:Choice xmlns:p14="http://schemas.microsoft.com/office/powerpoint/2010/main" Requires="p14">
+  <mc:AlternateContent xmlns:mc="http://schemas.openxmlformats.org/markup-compatibility/2006" xmlns:p14="http://schemas.microsoft.com/office/powerpoint/2010/main">
+    <mc:Choice Requires="p14">
       <p:transition spd="slow" p14:dur="1500">
         <p:split orient="vert"/>
       </p:transition>
     </mc:Choice>
-    <mc:Fallback>
+    <mc:Fallback xmlns="">
       <p:transition spd="slow">
         <p:split orient="vert"/>
       </p:transition>
@@ -4089,13 +4174,13 @@
   <p:clrMapOvr>
     <a:masterClrMapping/>
   </p:clrMapOvr>
-  <mc:AlternateContent xmlns:mc="http://schemas.openxmlformats.org/markup-compatibility/2006">
-    <mc:Choice xmlns:p14="http://schemas.microsoft.com/office/powerpoint/2010/main" Requires="p14">
+  <mc:AlternateContent xmlns:mc="http://schemas.openxmlformats.org/markup-compatibility/2006" xmlns:p14="http://schemas.microsoft.com/office/powerpoint/2010/main">
+    <mc:Choice Requires="p14">
       <p:transition spd="slow">
         <p14:flash/>
       </p:transition>
     </mc:Choice>
-    <mc:Fallback>
+    <mc:Fallback xmlns="">
       <p:transition spd="slow">
         <p:fade/>
       </p:transition>
